--- a/fp2.pptx
+++ b/fp2.pptx
@@ -224,7 +224,7 @@
           <a:p>
             <a:fld id="{0E711FAB-AA64-4E6E-B985-A733977625EE}" type="datetimeFigureOut">
               <a:rPr lang="ru-RU" smtClean="0"/>
-              <a:t>29.07.2016</a:t>
+              <a:t>05.11.2016</a:t>
             </a:fld>
             <a:endParaRPr lang="ru-RU"/>
           </a:p>
@@ -946,7 +946,7 @@
           <a:p>
             <a:fld id="{DCDCBEE7-9590-4FF6-ADDF-3D4B876C8442}" type="datetimeFigureOut">
               <a:rPr lang="ru-RU" smtClean="0"/>
-              <a:t>29.07.2016</a:t>
+              <a:t>05.11.2016</a:t>
             </a:fld>
             <a:endParaRPr lang="ru-RU"/>
           </a:p>
@@ -1147,7 +1147,7 @@
           <a:p>
             <a:fld id="{DCDCBEE7-9590-4FF6-ADDF-3D4B876C8442}" type="datetimeFigureOut">
               <a:rPr lang="ru-RU" smtClean="0"/>
-              <a:t>29.07.2016</a:t>
+              <a:t>05.11.2016</a:t>
             </a:fld>
             <a:endParaRPr lang="ru-RU"/>
           </a:p>
@@ -1351,7 +1351,7 @@
           <a:p>
             <a:fld id="{DCDCBEE7-9590-4FF6-ADDF-3D4B876C8442}" type="datetimeFigureOut">
               <a:rPr lang="ru-RU" smtClean="0"/>
-              <a:t>29.07.2016</a:t>
+              <a:t>05.11.2016</a:t>
             </a:fld>
             <a:endParaRPr lang="ru-RU"/>
           </a:p>
@@ -1545,7 +1545,7 @@
           <a:p>
             <a:fld id="{DCDCBEE7-9590-4FF6-ADDF-3D4B876C8442}" type="datetimeFigureOut">
               <a:rPr lang="ru-RU" smtClean="0"/>
-              <a:t>29.07.2016</a:t>
+              <a:t>05.11.2016</a:t>
             </a:fld>
             <a:endParaRPr lang="ru-RU"/>
           </a:p>
@@ -1820,7 +1820,7 @@
           <a:p>
             <a:fld id="{DCDCBEE7-9590-4FF6-ADDF-3D4B876C8442}" type="datetimeFigureOut">
               <a:rPr lang="ru-RU" smtClean="0"/>
-              <a:t>29.07.2016</a:t>
+              <a:t>05.11.2016</a:t>
             </a:fld>
             <a:endParaRPr lang="ru-RU"/>
           </a:p>
@@ -2076,7 +2076,7 @@
           <a:p>
             <a:fld id="{DCDCBEE7-9590-4FF6-ADDF-3D4B876C8442}" type="datetimeFigureOut">
               <a:rPr lang="ru-RU" smtClean="0"/>
-              <a:t>29.07.2016</a:t>
+              <a:t>05.11.2016</a:t>
             </a:fld>
             <a:endParaRPr lang="ru-RU"/>
           </a:p>
@@ -2467,7 +2467,7 @@
           <a:p>
             <a:fld id="{DCDCBEE7-9590-4FF6-ADDF-3D4B876C8442}" type="datetimeFigureOut">
               <a:rPr lang="ru-RU" smtClean="0"/>
-              <a:t>29.07.2016</a:t>
+              <a:t>05.11.2016</a:t>
             </a:fld>
             <a:endParaRPr lang="ru-RU"/>
           </a:p>
@@ -2609,7 +2609,7 @@
           <a:p>
             <a:fld id="{DCDCBEE7-9590-4FF6-ADDF-3D4B876C8442}" type="datetimeFigureOut">
               <a:rPr lang="ru-RU" smtClean="0"/>
-              <a:t>29.07.2016</a:t>
+              <a:t>05.11.2016</a:t>
             </a:fld>
             <a:endParaRPr lang="ru-RU"/>
           </a:p>
@@ -2728,7 +2728,7 @@
           <a:p>
             <a:fld id="{DCDCBEE7-9590-4FF6-ADDF-3D4B876C8442}" type="datetimeFigureOut">
               <a:rPr lang="ru-RU" smtClean="0"/>
-              <a:t>29.07.2016</a:t>
+              <a:t>05.11.2016</a:t>
             </a:fld>
             <a:endParaRPr lang="ru-RU"/>
           </a:p>
@@ -3029,7 +3029,7 @@
           <a:p>
             <a:fld id="{DCDCBEE7-9590-4FF6-ADDF-3D4B876C8442}" type="datetimeFigureOut">
               <a:rPr lang="ru-RU" smtClean="0"/>
-              <a:t>29.07.2016</a:t>
+              <a:t>05.11.2016</a:t>
             </a:fld>
             <a:endParaRPr lang="ru-RU"/>
           </a:p>
@@ -3310,7 +3310,7 @@
           <a:p>
             <a:fld id="{DCDCBEE7-9590-4FF6-ADDF-3D4B876C8442}" type="datetimeFigureOut">
               <a:rPr lang="ru-RU" smtClean="0"/>
-              <a:t>29.07.2016</a:t>
+              <a:t>05.11.2016</a:t>
             </a:fld>
             <a:endParaRPr lang="ru-RU"/>
           </a:p>
@@ -6653,25 +6653,7 @@
               <a:rPr lang="en-US" sz="2400" dirty="0" smtClean="0">
                 <a:latin typeface="Consolas" panose="020B0609020204030204" pitchFamily="49" charset="0"/>
               </a:rPr>
-              <a:t>(docV2 </a:t>
-            </a:r>
-            <a:r>
-              <a:rPr lang="en-US" sz="2400" dirty="0" smtClean="0">
-                <a:latin typeface="Consolas" panose="020B0609020204030204" pitchFamily="49" charset="0"/>
-              </a:rPr>
-              <a:t>=&gt; Save(filename, </a:t>
-            </a:r>
-            <a:r>
-              <a:rPr lang="en-US" sz="2400" dirty="0" smtClean="0">
-                <a:latin typeface="Consolas" panose="020B0609020204030204" pitchFamily="49" charset="0"/>
-              </a:rPr>
-              <a:t>docV2</a:t>
-            </a:r>
-            <a:r>
-              <a:rPr lang="en-US" sz="2400" dirty="0" smtClean="0">
-                <a:latin typeface="Consolas" panose="020B0609020204030204" pitchFamily="49" charset="0"/>
-              </a:rPr>
-              <a:t>))</a:t>
+              <a:t>(docV2 =&gt; Save(filename, docV2))</a:t>
             </a:r>
           </a:p>
           <a:p>
@@ -7375,11 +7357,7 @@
             </a:r>
             <a:r>
               <a:rPr lang="ru-RU" dirty="0" smtClean="0"/>
-              <a:t> </a:t>
-            </a:r>
-            <a:r>
-              <a:rPr lang="ru-RU" dirty="0" smtClean="0"/>
-              <a:t>→ декларативно</a:t>
+              <a:t> → декларативно</a:t>
             </a:r>
             <a:endParaRPr lang="en-US" dirty="0" smtClean="0"/>
           </a:p>
@@ -8037,8 +8015,8 @@
           <a:lstStyle/>
           <a:p>
             <a:r>
-              <a:rPr lang="ru-RU" dirty="0" smtClean="0"/>
-              <a:t>Чистые функции</a:t>
+              <a:rPr lang="ru-RU" smtClean="0"/>
+              <a:t>Неизменяемые классы</a:t>
             </a:r>
             <a:endParaRPr lang="ru-RU" dirty="0"/>
           </a:p>

--- a/fp2.pptx
+++ b/fp2.pptx
@@ -224,7 +224,7 @@
           <a:p>
             <a:fld id="{0E711FAB-AA64-4E6E-B985-A733977625EE}" type="datetimeFigureOut">
               <a:rPr lang="ru-RU" smtClean="0"/>
-              <a:t>05.11.2016</a:t>
+              <a:t>18.11.2016</a:t>
             </a:fld>
             <a:endParaRPr lang="ru-RU"/>
           </a:p>
@@ -946,7 +946,7 @@
           <a:p>
             <a:fld id="{DCDCBEE7-9590-4FF6-ADDF-3D4B876C8442}" type="datetimeFigureOut">
               <a:rPr lang="ru-RU" smtClean="0"/>
-              <a:t>05.11.2016</a:t>
+              <a:t>18.11.2016</a:t>
             </a:fld>
             <a:endParaRPr lang="ru-RU"/>
           </a:p>
@@ -1147,7 +1147,7 @@
           <a:p>
             <a:fld id="{DCDCBEE7-9590-4FF6-ADDF-3D4B876C8442}" type="datetimeFigureOut">
               <a:rPr lang="ru-RU" smtClean="0"/>
-              <a:t>05.11.2016</a:t>
+              <a:t>18.11.2016</a:t>
             </a:fld>
             <a:endParaRPr lang="ru-RU"/>
           </a:p>
@@ -1351,7 +1351,7 @@
           <a:p>
             <a:fld id="{DCDCBEE7-9590-4FF6-ADDF-3D4B876C8442}" type="datetimeFigureOut">
               <a:rPr lang="ru-RU" smtClean="0"/>
-              <a:t>05.11.2016</a:t>
+              <a:t>18.11.2016</a:t>
             </a:fld>
             <a:endParaRPr lang="ru-RU"/>
           </a:p>
@@ -1545,7 +1545,7 @@
           <a:p>
             <a:fld id="{DCDCBEE7-9590-4FF6-ADDF-3D4B876C8442}" type="datetimeFigureOut">
               <a:rPr lang="ru-RU" smtClean="0"/>
-              <a:t>05.11.2016</a:t>
+              <a:t>18.11.2016</a:t>
             </a:fld>
             <a:endParaRPr lang="ru-RU"/>
           </a:p>
@@ -1820,7 +1820,7 @@
           <a:p>
             <a:fld id="{DCDCBEE7-9590-4FF6-ADDF-3D4B876C8442}" type="datetimeFigureOut">
               <a:rPr lang="ru-RU" smtClean="0"/>
-              <a:t>05.11.2016</a:t>
+              <a:t>18.11.2016</a:t>
             </a:fld>
             <a:endParaRPr lang="ru-RU"/>
           </a:p>
@@ -2076,7 +2076,7 @@
           <a:p>
             <a:fld id="{DCDCBEE7-9590-4FF6-ADDF-3D4B876C8442}" type="datetimeFigureOut">
               <a:rPr lang="ru-RU" smtClean="0"/>
-              <a:t>05.11.2016</a:t>
+              <a:t>18.11.2016</a:t>
             </a:fld>
             <a:endParaRPr lang="ru-RU"/>
           </a:p>
@@ -2467,7 +2467,7 @@
           <a:p>
             <a:fld id="{DCDCBEE7-9590-4FF6-ADDF-3D4B876C8442}" type="datetimeFigureOut">
               <a:rPr lang="ru-RU" smtClean="0"/>
-              <a:t>05.11.2016</a:t>
+              <a:t>18.11.2016</a:t>
             </a:fld>
             <a:endParaRPr lang="ru-RU"/>
           </a:p>
@@ -2609,7 +2609,7 @@
           <a:p>
             <a:fld id="{DCDCBEE7-9590-4FF6-ADDF-3D4B876C8442}" type="datetimeFigureOut">
               <a:rPr lang="ru-RU" smtClean="0"/>
-              <a:t>05.11.2016</a:t>
+              <a:t>18.11.2016</a:t>
             </a:fld>
             <a:endParaRPr lang="ru-RU"/>
           </a:p>
@@ -2728,7 +2728,7 @@
           <a:p>
             <a:fld id="{DCDCBEE7-9590-4FF6-ADDF-3D4B876C8442}" type="datetimeFigureOut">
               <a:rPr lang="ru-RU" smtClean="0"/>
-              <a:t>05.11.2016</a:t>
+              <a:t>18.11.2016</a:t>
             </a:fld>
             <a:endParaRPr lang="ru-RU"/>
           </a:p>
@@ -3029,7 +3029,7 @@
           <a:p>
             <a:fld id="{DCDCBEE7-9590-4FF6-ADDF-3D4B876C8442}" type="datetimeFigureOut">
               <a:rPr lang="ru-RU" smtClean="0"/>
-              <a:t>05.11.2016</a:t>
+              <a:t>18.11.2016</a:t>
             </a:fld>
             <a:endParaRPr lang="ru-RU"/>
           </a:p>
@@ -3310,7 +3310,7 @@
           <a:p>
             <a:fld id="{DCDCBEE7-9590-4FF6-ADDF-3D4B876C8442}" type="datetimeFigureOut">
               <a:rPr lang="ru-RU" smtClean="0"/>
-              <a:t>05.11.2016</a:t>
+              <a:t>18.11.2016</a:t>
             </a:fld>
             <a:endParaRPr lang="ru-RU"/>
           </a:p>
@@ -5487,7 +5487,7 @@
 </file>
 
 <file path=ppt/slides/slide2.xml><?xml version="1.0" encoding="utf-8"?>
-<p:sld xmlns:a="http://schemas.openxmlformats.org/drawingml/2006/main" xmlns:r="http://schemas.openxmlformats.org/officeDocument/2006/relationships" xmlns:p="http://schemas.openxmlformats.org/presentationml/2006/main">
+<p:sld xmlns:a="http://schemas.openxmlformats.org/drawingml/2006/main" xmlns:r="http://schemas.openxmlformats.org/officeDocument/2006/relationships" xmlns:p="http://schemas.openxmlformats.org/presentationml/2006/main" show="0">
   <p:cSld>
     <p:spTree>
       <p:nvGrpSpPr>
@@ -5617,6 +5617,14 @@
   <p:clrMapOvr>
     <a:masterClrMapping/>
   </p:clrMapOvr>
+  <mc:AlternateContent xmlns:mc="http://schemas.openxmlformats.org/markup-compatibility/2006" xmlns:p14="http://schemas.microsoft.com/office/powerpoint/2010/main">
+    <mc:Choice Requires="p14">
+      <p:transition spd="slow" p14:dur="2000"/>
+    </mc:Choice>
+    <mc:Fallback xmlns="">
+      <p:transition spd="slow"/>
+    </mc:Fallback>
+  </mc:AlternateContent>
   <p:timing>
     <p:tnLst>
       <p:par>
@@ -6209,32 +6217,23 @@
               <a:rPr lang="en-US" dirty="0">
                 <a:latin typeface="Consolas" panose="020B0609020204030204" pitchFamily="49" charset="0"/>
               </a:rPr>
-              <a:t>    T Value { </a:t>
-            </a:r>
-            <a:r>
-              <a:rPr lang="en-US" dirty="0">
-                <a:solidFill>
-                  <a:srgbClr val="0000FF"/>
-                </a:solidFill>
-                <a:highlight>
-                  <a:srgbClr val="FFFFFF"/>
-                </a:highlight>
-                <a:latin typeface="Consolas" panose="020B0609020204030204" pitchFamily="49" charset="0"/>
-              </a:rPr>
-              <a:t>get</a:t>
-            </a:r>
-            <a:r>
-              <a:rPr lang="en-US" dirty="0">
-                <a:latin typeface="Consolas" panose="020B0609020204030204" pitchFamily="49" charset="0"/>
-              </a:rPr>
-              <a:t>; </a:t>
+              <a:t>    T </a:t>
+            </a:r>
+            <a:r>
+              <a:rPr lang="en-US" dirty="0" err="1" smtClean="0">
+                <a:latin typeface="Consolas" panose="020B0609020204030204" pitchFamily="49" charset="0"/>
+              </a:rPr>
+              <a:t>GetValueOrThrow</a:t>
             </a:r>
             <a:r>
               <a:rPr lang="en-US" dirty="0" smtClean="0">
                 <a:latin typeface="Consolas" panose="020B0609020204030204" pitchFamily="49" charset="0"/>
               </a:rPr>
-              <a:t>}</a:t>
-            </a:r>
+              <a:t>()	</a:t>
+            </a:r>
+            <a:endParaRPr lang="en-US" dirty="0" smtClean="0">
+              <a:latin typeface="Consolas" panose="020B0609020204030204" pitchFamily="49" charset="0"/>
+            </a:endParaRPr>
           </a:p>
           <a:p>
             <a:pPr marL="0" indent="0">
@@ -6530,16 +6529,8 @@
           <a:lstStyle/>
           <a:p>
             <a:r>
-              <a:rPr lang="en-US" dirty="0" err="1" smtClean="0"/>
-              <a:t>OnSuccess</a:t>
-            </a:r>
-            <a:r>
-              <a:rPr lang="en-US" dirty="0"/>
-              <a:t> </a:t>
-            </a:r>
-            <a:r>
               <a:rPr lang="en-US" dirty="0" smtClean="0"/>
-              <a:t>&amp; </a:t>
+              <a:t>Then &amp; </a:t>
             </a:r>
             <a:r>
               <a:rPr lang="en-US" dirty="0" err="1" smtClean="0"/>
@@ -6561,7 +6552,7 @@
         </p:nvSpPr>
         <p:spPr>
           <a:xfrm>
-            <a:off x="241301" y="1429432"/>
+            <a:off x="259231" y="1438397"/>
             <a:ext cx="8772070" cy="5428568"/>
           </a:xfrm>
         </p:spPr>
@@ -6595,19 +6586,19 @@
               <a:rPr lang="en-US" sz="2400" dirty="0" smtClean="0">
                 <a:latin typeface="Consolas" panose="020B0609020204030204" pitchFamily="49" charset="0"/>
               </a:rPr>
-              <a:t>  .</a:t>
-            </a:r>
-            <a:r>
-              <a:rPr lang="en-US" sz="2400" dirty="0" err="1" smtClean="0">
-                <a:latin typeface="Consolas" panose="020B0609020204030204" pitchFamily="49" charset="0"/>
-              </a:rPr>
-              <a:t>OnSuccess</a:t>
+              <a:t>  </a:t>
             </a:r>
             <a:r>
               <a:rPr lang="en-US" sz="2400" dirty="0" smtClean="0">
                 <a:latin typeface="Consolas" panose="020B0609020204030204" pitchFamily="49" charset="0"/>
               </a:rPr>
-              <a:t>(content =&gt; Parse(content))</a:t>
+              <a:t>.Then(content </a:t>
+            </a:r>
+            <a:r>
+              <a:rPr lang="en-US" sz="2400" dirty="0" smtClean="0">
+                <a:latin typeface="Consolas" panose="020B0609020204030204" pitchFamily="49" charset="0"/>
+              </a:rPr>
+              <a:t>=&gt; Parse(content))</a:t>
             </a:r>
           </a:p>
           <a:p>
@@ -6618,19 +6609,19 @@
               <a:rPr lang="en-US" sz="2400" dirty="0" smtClean="0">
                 <a:latin typeface="Consolas" panose="020B0609020204030204" pitchFamily="49" charset="0"/>
               </a:rPr>
-              <a:t>  .</a:t>
-            </a:r>
-            <a:r>
-              <a:rPr lang="en-US" sz="2400" dirty="0" err="1" smtClean="0">
-                <a:latin typeface="Consolas" panose="020B0609020204030204" pitchFamily="49" charset="0"/>
-              </a:rPr>
-              <a:t>OnSuccess</a:t>
+              <a:t>  </a:t>
             </a:r>
             <a:r>
               <a:rPr lang="en-US" sz="2400" dirty="0" smtClean="0">
                 <a:latin typeface="Consolas" panose="020B0609020204030204" pitchFamily="49" charset="0"/>
               </a:rPr>
-              <a:t>(doc =&gt; Convert(doc))</a:t>
+              <a:t>.Then(doc </a:t>
+            </a:r>
+            <a:r>
+              <a:rPr lang="en-US" sz="2400" dirty="0" smtClean="0">
+                <a:latin typeface="Consolas" panose="020B0609020204030204" pitchFamily="49" charset="0"/>
+              </a:rPr>
+              <a:t>=&gt; Convert(doc))</a:t>
             </a:r>
           </a:p>
           <a:p>
@@ -6641,19 +6632,13 @@
               <a:rPr lang="en-US" sz="2400" dirty="0" smtClean="0">
                 <a:latin typeface="Consolas" panose="020B0609020204030204" pitchFamily="49" charset="0"/>
               </a:rPr>
-              <a:t>  .</a:t>
-            </a:r>
-            <a:r>
-              <a:rPr lang="en-US" sz="2400" dirty="0" err="1" smtClean="0">
-                <a:latin typeface="Consolas" panose="020B0609020204030204" pitchFamily="49" charset="0"/>
-              </a:rPr>
-              <a:t>OnSuccess</a:t>
+              <a:t>  .Then(docV2 </a:t>
             </a:r>
             <a:r>
               <a:rPr lang="en-US" sz="2400" dirty="0" smtClean="0">
                 <a:latin typeface="Consolas" panose="020B0609020204030204" pitchFamily="49" charset="0"/>
               </a:rPr>
-              <a:t>(docV2 =&gt; Save(filename, docV2))</a:t>
+              <a:t>=&gt; Save(filename, docV2))</a:t>
             </a:r>
           </a:p>
           <a:p>
@@ -6928,7 +6913,7 @@
             </a:r>
             <a:r>
               <a:rPr lang="en-US" dirty="0" err="1" smtClean="0"/>
-              <a:t>MaybeImpl</a:t>
+              <a:t>ErrorHandling</a:t>
             </a:r>
             <a:endParaRPr lang="ru-RU" dirty="0"/>
           </a:p>
@@ -6974,7 +6959,7 @@
 </file>
 
 <file path=ppt/slides/slide26.xml><?xml version="1.0" encoding="utf-8"?>
-<p:sld xmlns:a="http://schemas.openxmlformats.org/drawingml/2006/main" xmlns:r="http://schemas.openxmlformats.org/officeDocument/2006/relationships" xmlns:p="http://schemas.openxmlformats.org/presentationml/2006/main">
+<p:sld xmlns:a="http://schemas.openxmlformats.org/drawingml/2006/main" xmlns:r="http://schemas.openxmlformats.org/officeDocument/2006/relationships" xmlns:p="http://schemas.openxmlformats.org/presentationml/2006/main" show="0">
   <p:cSld>
     <p:spTree>
       <p:nvGrpSpPr>
@@ -7210,6 +7195,14 @@
   <p:clrMapOvr>
     <a:masterClrMapping/>
   </p:clrMapOvr>
+  <mc:AlternateContent xmlns:mc="http://schemas.openxmlformats.org/markup-compatibility/2006" xmlns:p14="http://schemas.microsoft.com/office/powerpoint/2010/main">
+    <mc:Choice Requires="p14">
+      <p:transition spd="slow" p14:dur="2000"/>
+    </mc:Choice>
+    <mc:Fallback xmlns="">
+      <p:transition spd="slow"/>
+    </mc:Fallback>
+  </mc:AlternateContent>
   <p:timing>
     <p:tnLst>
       <p:par>

--- a/fp2.pptx
+++ b/fp2.pptx
@@ -5,7 +5,7 @@
     <p:sldMasterId id="2147483660" r:id="rId1"/>
   </p:sldMasterIdLst>
   <p:notesMasterIdLst>
-    <p:notesMasterId r:id="rId30"/>
+    <p:notesMasterId r:id="rId31"/>
   </p:notesMasterIdLst>
   <p:sldIdLst>
     <p:sldId id="256" r:id="rId2"/>
@@ -34,8 +34,9 @@
     <p:sldId id="367" r:id="rId25"/>
     <p:sldId id="365" r:id="rId26"/>
     <p:sldId id="368" r:id="rId27"/>
-    <p:sldId id="380" r:id="rId28"/>
-    <p:sldId id="381" r:id="rId29"/>
+    <p:sldId id="385" r:id="rId28"/>
+    <p:sldId id="380" r:id="rId29"/>
+    <p:sldId id="381" r:id="rId30"/>
   </p:sldIdLst>
   <p:sldSz cx="9144000" cy="6858000" type="screen4x3"/>
   <p:notesSz cx="6858000" cy="9144000"/>
@@ -224,7 +225,7 @@
           <a:p>
             <a:fld id="{0E711FAB-AA64-4E6E-B985-A733977625EE}" type="datetimeFigureOut">
               <a:rPr lang="ru-RU" smtClean="0"/>
-              <a:t>18.11.2016</a:t>
+              <a:t>11.12.2016</a:t>
             </a:fld>
             <a:endParaRPr lang="ru-RU"/>
           </a:p>
@@ -946,7 +947,7 @@
           <a:p>
             <a:fld id="{DCDCBEE7-9590-4FF6-ADDF-3D4B876C8442}" type="datetimeFigureOut">
               <a:rPr lang="ru-RU" smtClean="0"/>
-              <a:t>18.11.2016</a:t>
+              <a:t>11.12.2016</a:t>
             </a:fld>
             <a:endParaRPr lang="ru-RU"/>
           </a:p>
@@ -1147,7 +1148,7 @@
           <a:p>
             <a:fld id="{DCDCBEE7-9590-4FF6-ADDF-3D4B876C8442}" type="datetimeFigureOut">
               <a:rPr lang="ru-RU" smtClean="0"/>
-              <a:t>18.11.2016</a:t>
+              <a:t>11.12.2016</a:t>
             </a:fld>
             <a:endParaRPr lang="ru-RU"/>
           </a:p>
@@ -1351,7 +1352,7 @@
           <a:p>
             <a:fld id="{DCDCBEE7-9590-4FF6-ADDF-3D4B876C8442}" type="datetimeFigureOut">
               <a:rPr lang="ru-RU" smtClean="0"/>
-              <a:t>18.11.2016</a:t>
+              <a:t>11.12.2016</a:t>
             </a:fld>
             <a:endParaRPr lang="ru-RU"/>
           </a:p>
@@ -1545,7 +1546,7 @@
           <a:p>
             <a:fld id="{DCDCBEE7-9590-4FF6-ADDF-3D4B876C8442}" type="datetimeFigureOut">
               <a:rPr lang="ru-RU" smtClean="0"/>
-              <a:t>18.11.2016</a:t>
+              <a:t>11.12.2016</a:t>
             </a:fld>
             <a:endParaRPr lang="ru-RU"/>
           </a:p>
@@ -1820,7 +1821,7 @@
           <a:p>
             <a:fld id="{DCDCBEE7-9590-4FF6-ADDF-3D4B876C8442}" type="datetimeFigureOut">
               <a:rPr lang="ru-RU" smtClean="0"/>
-              <a:t>18.11.2016</a:t>
+              <a:t>11.12.2016</a:t>
             </a:fld>
             <a:endParaRPr lang="ru-RU"/>
           </a:p>
@@ -2076,7 +2077,7 @@
           <a:p>
             <a:fld id="{DCDCBEE7-9590-4FF6-ADDF-3D4B876C8442}" type="datetimeFigureOut">
               <a:rPr lang="ru-RU" smtClean="0"/>
-              <a:t>18.11.2016</a:t>
+              <a:t>11.12.2016</a:t>
             </a:fld>
             <a:endParaRPr lang="ru-RU"/>
           </a:p>
@@ -2467,7 +2468,7 @@
           <a:p>
             <a:fld id="{DCDCBEE7-9590-4FF6-ADDF-3D4B876C8442}" type="datetimeFigureOut">
               <a:rPr lang="ru-RU" smtClean="0"/>
-              <a:t>18.11.2016</a:t>
+              <a:t>11.12.2016</a:t>
             </a:fld>
             <a:endParaRPr lang="ru-RU"/>
           </a:p>
@@ -2609,7 +2610,7 @@
           <a:p>
             <a:fld id="{DCDCBEE7-9590-4FF6-ADDF-3D4B876C8442}" type="datetimeFigureOut">
               <a:rPr lang="ru-RU" smtClean="0"/>
-              <a:t>18.11.2016</a:t>
+              <a:t>11.12.2016</a:t>
             </a:fld>
             <a:endParaRPr lang="ru-RU"/>
           </a:p>
@@ -2728,7 +2729,7 @@
           <a:p>
             <a:fld id="{DCDCBEE7-9590-4FF6-ADDF-3D4B876C8442}" type="datetimeFigureOut">
               <a:rPr lang="ru-RU" smtClean="0"/>
-              <a:t>18.11.2016</a:t>
+              <a:t>11.12.2016</a:t>
             </a:fld>
             <a:endParaRPr lang="ru-RU"/>
           </a:p>
@@ -3029,7 +3030,7 @@
           <a:p>
             <a:fld id="{DCDCBEE7-9590-4FF6-ADDF-3D4B876C8442}" type="datetimeFigureOut">
               <a:rPr lang="ru-RU" smtClean="0"/>
-              <a:t>18.11.2016</a:t>
+              <a:t>11.12.2016</a:t>
             </a:fld>
             <a:endParaRPr lang="ru-RU"/>
           </a:p>
@@ -3310,7 +3311,7 @@
           <a:p>
             <a:fld id="{DCDCBEE7-9590-4FF6-ADDF-3D4B876C8442}" type="datetimeFigureOut">
               <a:rPr lang="ru-RU" smtClean="0"/>
-              <a:t>18.11.2016</a:t>
+              <a:t>11.12.2016</a:t>
             </a:fld>
             <a:endParaRPr lang="ru-RU"/>
           </a:p>
@@ -6231,9 +6232,6 @@
               </a:rPr>
               <a:t>()	</a:t>
             </a:r>
-            <a:endParaRPr lang="en-US" dirty="0" smtClean="0">
-              <a:latin typeface="Consolas" panose="020B0609020204030204" pitchFamily="49" charset="0"/>
-            </a:endParaRPr>
           </a:p>
           <a:p>
             <a:pPr marL="0" indent="0">
@@ -6586,59 +6584,29 @@
               <a:rPr lang="en-US" sz="2400" dirty="0" smtClean="0">
                 <a:latin typeface="Consolas" panose="020B0609020204030204" pitchFamily="49" charset="0"/>
               </a:rPr>
-              <a:t>  </a:t>
-            </a:r>
+              <a:t>  .Then(content =&gt; Parse(content))</a:t>
+            </a:r>
+          </a:p>
+          <a:p>
+            <a:pPr marL="0" indent="0">
+              <a:buNone/>
+            </a:pPr>
             <a:r>
               <a:rPr lang="en-US" sz="2400" dirty="0" smtClean="0">
                 <a:latin typeface="Consolas" panose="020B0609020204030204" pitchFamily="49" charset="0"/>
               </a:rPr>
-              <a:t>.Then(content </a:t>
-            </a:r>
+              <a:t>  .Then(doc =&gt; Convert(doc))</a:t>
+            </a:r>
+          </a:p>
+          <a:p>
+            <a:pPr marL="0" indent="0">
+              <a:buNone/>
+            </a:pPr>
             <a:r>
               <a:rPr lang="en-US" sz="2400" dirty="0" smtClean="0">
                 <a:latin typeface="Consolas" panose="020B0609020204030204" pitchFamily="49" charset="0"/>
               </a:rPr>
-              <a:t>=&gt; Parse(content))</a:t>
-            </a:r>
-          </a:p>
-          <a:p>
-            <a:pPr marL="0" indent="0">
-              <a:buNone/>
-            </a:pPr>
-            <a:r>
-              <a:rPr lang="en-US" sz="2400" dirty="0" smtClean="0">
-                <a:latin typeface="Consolas" panose="020B0609020204030204" pitchFamily="49" charset="0"/>
-              </a:rPr>
-              <a:t>  </a:t>
-            </a:r>
-            <a:r>
-              <a:rPr lang="en-US" sz="2400" dirty="0" smtClean="0">
-                <a:latin typeface="Consolas" panose="020B0609020204030204" pitchFamily="49" charset="0"/>
-              </a:rPr>
-              <a:t>.Then(doc </a:t>
-            </a:r>
-            <a:r>
-              <a:rPr lang="en-US" sz="2400" dirty="0" smtClean="0">
-                <a:latin typeface="Consolas" panose="020B0609020204030204" pitchFamily="49" charset="0"/>
-              </a:rPr>
-              <a:t>=&gt; Convert(doc))</a:t>
-            </a:r>
-          </a:p>
-          <a:p>
-            <a:pPr marL="0" indent="0">
-              <a:buNone/>
-            </a:pPr>
-            <a:r>
-              <a:rPr lang="en-US" sz="2400" dirty="0" smtClean="0">
-                <a:latin typeface="Consolas" panose="020B0609020204030204" pitchFamily="49" charset="0"/>
-              </a:rPr>
-              <a:t>  .Then(docV2 </a:t>
-            </a:r>
-            <a:r>
-              <a:rPr lang="en-US" sz="2400" dirty="0" smtClean="0">
-                <a:latin typeface="Consolas" panose="020B0609020204030204" pitchFamily="49" charset="0"/>
-              </a:rPr>
-              <a:t>=&gt; Save(filename, docV2))</a:t>
+              <a:t>  .Then(docV2 =&gt; Save(filename, docV2))</a:t>
             </a:r>
           </a:p>
           <a:p>
@@ -7195,11 +7163,11 @@
   <p:clrMapOvr>
     <a:masterClrMapping/>
   </p:clrMapOvr>
-  <mc:AlternateContent xmlns:mc="http://schemas.openxmlformats.org/markup-compatibility/2006" xmlns:p14="http://schemas.microsoft.com/office/powerpoint/2010/main">
-    <mc:Choice Requires="p14">
+  <mc:AlternateContent xmlns:mc="http://schemas.openxmlformats.org/markup-compatibility/2006">
+    <mc:Choice xmlns:p14="http://schemas.microsoft.com/office/powerpoint/2010/main" Requires="p14">
       <p:transition spd="slow" p14:dur="2000"/>
     </mc:Choice>
-    <mc:Fallback xmlns="">
+    <mc:Fallback>
       <p:transition spd="slow"/>
     </mc:Fallback>
   </mc:AlternateContent>
@@ -7246,6 +7214,85 @@
           <a:lstStyle/>
           <a:p>
             <a:r>
+              <a:rPr lang="en-US" dirty="0" err="1" smtClean="0"/>
+              <a:t>ApprovalsDemo</a:t>
+            </a:r>
+            <a:endParaRPr lang="ru-RU" dirty="0"/>
+          </a:p>
+        </p:txBody>
+      </p:sp>
+      <p:sp>
+        <p:nvSpPr>
+          <p:cNvPr id="3" name="Объект 2"/>
+          <p:cNvSpPr>
+            <a:spLocks noGrp="1"/>
+          </p:cNvSpPr>
+          <p:nvPr>
+            <p:ph idx="1"/>
+          </p:nvPr>
+        </p:nvSpPr>
+        <p:spPr/>
+        <p:txBody>
+          <a:bodyPr/>
+          <a:lstStyle/>
+          <a:p>
+            <a:endParaRPr lang="ru-RU"/>
+          </a:p>
+        </p:txBody>
+      </p:sp>
+    </p:spTree>
+    <p:extLst>
+      <p:ext uri="{BB962C8B-B14F-4D97-AF65-F5344CB8AC3E}">
+        <p14:creationId xmlns:p14="http://schemas.microsoft.com/office/powerpoint/2010/main" val="4249290212"/>
+      </p:ext>
+    </p:extLst>
+  </p:cSld>
+  <p:clrMapOvr>
+    <a:masterClrMapping/>
+  </p:clrMapOvr>
+  <p:timing>
+    <p:tnLst>
+      <p:par>
+        <p:cTn id="1" dur="indefinite" restart="never" nodeType="tmRoot"/>
+      </p:par>
+    </p:tnLst>
+  </p:timing>
+</p:sld>
+</file>
+
+<file path=ppt/slides/slide28.xml><?xml version="1.0" encoding="utf-8"?>
+<p:sld xmlns:a="http://schemas.openxmlformats.org/drawingml/2006/main" xmlns:r="http://schemas.openxmlformats.org/officeDocument/2006/relationships" xmlns:p="http://schemas.openxmlformats.org/presentationml/2006/main">
+  <p:cSld>
+    <p:spTree>
+      <p:nvGrpSpPr>
+        <p:cNvPr id="1" name=""/>
+        <p:cNvGrpSpPr/>
+        <p:nvPr/>
+      </p:nvGrpSpPr>
+      <p:grpSpPr>
+        <a:xfrm>
+          <a:off x="0" y="0"/>
+          <a:ext cx="0" cy="0"/>
+          <a:chOff x="0" y="0"/>
+          <a:chExt cx="0" cy="0"/>
+        </a:xfrm>
+      </p:grpSpPr>
+      <p:sp>
+        <p:nvSpPr>
+          <p:cNvPr id="2" name="Заголовок 1"/>
+          <p:cNvSpPr>
+            <a:spLocks noGrp="1"/>
+          </p:cNvSpPr>
+          <p:nvPr>
+            <p:ph type="title"/>
+          </p:nvPr>
+        </p:nvSpPr>
+        <p:spPr/>
+        <p:txBody>
+          <a:bodyPr/>
+          <a:lstStyle/>
+          <a:p>
+            <a:r>
               <a:rPr lang="ru-RU" dirty="0" smtClean="0"/>
               <a:t>Задача </a:t>
             </a:r>
@@ -7274,8 +7321,28 @@
           </a:xfrm>
         </p:spPr>
         <p:txBody>
-          <a:bodyPr/>
+          <a:bodyPr>
+            <a:normAutofit/>
+          </a:bodyPr>
           <a:lstStyle/>
+          <a:p>
+            <a:pPr marL="514350" indent="-514350">
+              <a:buFont typeface="Arial" panose="020B0604020202020204" pitchFamily="34" charset="0"/>
+              <a:buAutoNum type="arabicPeriod"/>
+            </a:pPr>
+            <a:r>
+              <a:rPr lang="en-US" dirty="0"/>
+              <a:t>Document</a:t>
+            </a:r>
+            <a:r>
+              <a:rPr lang="ru-RU" dirty="0"/>
+              <a:t> → </a:t>
+            </a:r>
+            <a:r>
+              <a:rPr lang="en-US" dirty="0"/>
+              <a:t>Immutable</a:t>
+            </a:r>
+          </a:p>
           <a:p>
             <a:pPr marL="514350" indent="-514350">
               <a:buAutoNum type="arabicPeriod"/>
@@ -7285,11 +7352,11 @@
               <a:t>Отделить чистую функцию </a:t>
             </a:r>
             <a:r>
-              <a:rPr lang="en-US" dirty="0" err="1"/>
+              <a:rPr lang="en-US" dirty="0" err="1" smtClean="0"/>
               <a:t>PrepareFileToSend</a:t>
             </a:r>
             <a:r>
-              <a:rPr lang="en-US" dirty="0"/>
+              <a:rPr lang="en-US" dirty="0" smtClean="0"/>
               <a:t> </a:t>
             </a:r>
             <a:r>
@@ -7318,14 +7385,52 @@
               <a:buAutoNum type="arabicPeriod"/>
             </a:pPr>
             <a:r>
+              <a:rPr lang="ru-RU" dirty="0"/>
+              <a:t>Добавить </a:t>
+            </a:r>
+            <a:r>
+              <a:rPr lang="ru-RU" dirty="0" err="1"/>
+              <a:t>доп</a:t>
+            </a:r>
+            <a:r>
+              <a:rPr lang="ru-RU" dirty="0"/>
+              <a:t>-инфу в ошибках</a:t>
+            </a:r>
+          </a:p>
+          <a:p>
+            <a:pPr marL="971550" lvl="1" indent="-514350">
+              <a:buAutoNum type="arabicPeriod"/>
+            </a:pPr>
+            <a:r>
               <a:rPr lang="ru-RU" dirty="0" smtClean="0"/>
-              <a:t>Тесты на </a:t>
-            </a:r>
-            <a:r>
-              <a:rPr lang="en-US" dirty="0" err="1" smtClean="0"/>
-              <a:t>PrepareFileToSend</a:t>
-            </a:r>
-            <a:endParaRPr lang="en-US" dirty="0" smtClean="0"/>
+              <a:t>Верси</a:t>
+            </a:r>
+            <a:r>
+              <a:rPr lang="ru-RU" dirty="0"/>
+              <a:t>ю</a:t>
+            </a:r>
+            <a:r>
+              <a:rPr lang="ru-RU" dirty="0" smtClean="0"/>
+              <a:t> </a:t>
+            </a:r>
+            <a:r>
+              <a:rPr lang="ru-RU" dirty="0"/>
+              <a:t>формата, если он не поддерживается</a:t>
+            </a:r>
+          </a:p>
+          <a:p>
+            <a:pPr marL="971550" lvl="1" indent="-514350">
+              <a:buAutoNum type="arabicPeriod"/>
+            </a:pPr>
+            <a:r>
+              <a:rPr lang="ru-RU" dirty="0" smtClean="0"/>
+              <a:t>Дату создания, </a:t>
+            </a:r>
+            <a:r>
+              <a:rPr lang="ru-RU" dirty="0"/>
+              <a:t>если документ слишком старый</a:t>
+            </a:r>
+            <a:endParaRPr lang="en-US" dirty="0"/>
           </a:p>
           <a:p>
             <a:pPr marL="514350" indent="-514350">
@@ -7333,30 +7438,58 @@
             </a:pPr>
             <a:r>
               <a:rPr lang="ru-RU" dirty="0" smtClean="0"/>
-              <a:t>Логику на исключениях → </a:t>
+              <a:t>Логику </a:t>
+            </a:r>
+            <a:r>
+              <a:rPr lang="ru-RU" dirty="0" smtClean="0"/>
+              <a:t>на исключениях → </a:t>
             </a:r>
             <a:r>
               <a:rPr lang="en-US" dirty="0" smtClean="0"/>
               <a:t>Result&lt;T&gt;</a:t>
             </a:r>
+            <a:r>
+              <a:rPr lang="ru-RU" dirty="0" smtClean="0"/>
+              <a:t/>
+            </a:r>
+            <a:br>
+              <a:rPr lang="ru-RU" dirty="0" smtClean="0"/>
+            </a:br>
+            <a:r>
+              <a:rPr lang="en-US" dirty="0" err="1" smtClean="0"/>
+              <a:t>PrepareFileToSend</a:t>
+            </a:r>
+            <a:r>
+              <a:rPr lang="ru-RU" dirty="0" smtClean="0"/>
+              <a:t> </a:t>
+            </a:r>
+            <a:r>
+              <a:rPr lang="ru-RU" dirty="0"/>
+              <a:t>переписать декларативно</a:t>
+            </a:r>
           </a:p>
           <a:p>
             <a:pPr marL="514350" indent="-514350">
+              <a:buFont typeface="Arial" panose="020B0604020202020204" pitchFamily="34" charset="0"/>
               <a:buAutoNum type="arabicPeriod"/>
             </a:pPr>
             <a:r>
-              <a:rPr lang="en-US" dirty="0" err="1" smtClean="0"/>
+              <a:rPr lang="ru-RU" dirty="0" smtClean="0"/>
+              <a:t>Переделать </a:t>
+            </a:r>
+            <a:r>
+              <a:rPr lang="ru-RU" dirty="0"/>
+              <a:t>тесты на </a:t>
+            </a:r>
+            <a:r>
+              <a:rPr lang="en-US" dirty="0" err="1"/>
               <a:t>PrepareFileToSend</a:t>
             </a:r>
-            <a:r>
-              <a:rPr lang="ru-RU" dirty="0" smtClean="0"/>
-              <a:t> → декларативно</a:t>
-            </a:r>
-            <a:endParaRPr lang="en-US" dirty="0" smtClean="0"/>
-          </a:p>
-          <a:p>
-            <a:pPr marL="514350" indent="-514350">
-              <a:buAutoNum type="arabicPeriod"/>
+            <a:endParaRPr lang="ru-RU" dirty="0"/>
+          </a:p>
+          <a:p>
+            <a:pPr marL="0" indent="0">
+              <a:buNone/>
             </a:pPr>
             <a:endParaRPr lang="en-US" dirty="0"/>
           </a:p>
@@ -7392,7 +7525,7 @@
 </p:sld>
 </file>
 
-<file path=ppt/slides/slide28.xml><?xml version="1.0" encoding="utf-8"?>
+<file path=ppt/slides/slide29.xml><?xml version="1.0" encoding="utf-8"?>
 <p:sld xmlns:a="http://schemas.openxmlformats.org/drawingml/2006/main" xmlns:r="http://schemas.openxmlformats.org/officeDocument/2006/relationships" xmlns:p="http://schemas.openxmlformats.org/presentationml/2006/main">
   <p:cSld>
     <p:spTree>

--- a/fp2.pptx
+++ b/fp2.pptx
@@ -137,7 +137,7 @@
   </p:defaultTextStyle>
   <p:extLst>
     <p:ext uri="{EFAFB233-063F-42B5-8137-9DF3F51BA10A}">
-      <p15:sldGuideLst xmlns:p15="http://schemas.microsoft.com/office/powerpoint/2012/main"/>
+      <p15:sldGuideLst xmlns:p15="http://schemas.microsoft.com/office/powerpoint/2012/main" xmlns=""/>
     </p:ext>
   </p:extLst>
 </p:presentation>
@@ -225,7 +225,7 @@
           <a:p>
             <a:fld id="{0E711FAB-AA64-4E6E-B985-A733977625EE}" type="datetimeFigureOut">
               <a:rPr lang="ru-RU" smtClean="0"/>
-              <a:t>11.12.2016</a:t>
+              <a:t>22.12.2018</a:t>
             </a:fld>
             <a:endParaRPr lang="ru-RU"/>
           </a:p>
@@ -947,7 +947,7 @@
           <a:p>
             <a:fld id="{DCDCBEE7-9590-4FF6-ADDF-3D4B876C8442}" type="datetimeFigureOut">
               <a:rPr lang="ru-RU" smtClean="0"/>
-              <a:t>11.12.2016</a:t>
+              <a:t>22.12.2018</a:t>
             </a:fld>
             <a:endParaRPr lang="ru-RU"/>
           </a:p>
@@ -1148,7 +1148,7 @@
           <a:p>
             <a:fld id="{DCDCBEE7-9590-4FF6-ADDF-3D4B876C8442}" type="datetimeFigureOut">
               <a:rPr lang="ru-RU" smtClean="0"/>
-              <a:t>11.12.2016</a:t>
+              <a:t>22.12.2018</a:t>
             </a:fld>
             <a:endParaRPr lang="ru-RU"/>
           </a:p>
@@ -1352,7 +1352,7 @@
           <a:p>
             <a:fld id="{DCDCBEE7-9590-4FF6-ADDF-3D4B876C8442}" type="datetimeFigureOut">
               <a:rPr lang="ru-RU" smtClean="0"/>
-              <a:t>11.12.2016</a:t>
+              <a:t>22.12.2018</a:t>
             </a:fld>
             <a:endParaRPr lang="ru-RU"/>
           </a:p>
@@ -1546,7 +1546,7 @@
           <a:p>
             <a:fld id="{DCDCBEE7-9590-4FF6-ADDF-3D4B876C8442}" type="datetimeFigureOut">
               <a:rPr lang="ru-RU" smtClean="0"/>
-              <a:t>11.12.2016</a:t>
+              <a:t>22.12.2018</a:t>
             </a:fld>
             <a:endParaRPr lang="ru-RU"/>
           </a:p>
@@ -1821,7 +1821,7 @@
           <a:p>
             <a:fld id="{DCDCBEE7-9590-4FF6-ADDF-3D4B876C8442}" type="datetimeFigureOut">
               <a:rPr lang="ru-RU" smtClean="0"/>
-              <a:t>11.12.2016</a:t>
+              <a:t>22.12.2018</a:t>
             </a:fld>
             <a:endParaRPr lang="ru-RU"/>
           </a:p>
@@ -2077,7 +2077,7 @@
           <a:p>
             <a:fld id="{DCDCBEE7-9590-4FF6-ADDF-3D4B876C8442}" type="datetimeFigureOut">
               <a:rPr lang="ru-RU" smtClean="0"/>
-              <a:t>11.12.2016</a:t>
+              <a:t>22.12.2018</a:t>
             </a:fld>
             <a:endParaRPr lang="ru-RU"/>
           </a:p>
@@ -2468,7 +2468,7 @@
           <a:p>
             <a:fld id="{DCDCBEE7-9590-4FF6-ADDF-3D4B876C8442}" type="datetimeFigureOut">
               <a:rPr lang="ru-RU" smtClean="0"/>
-              <a:t>11.12.2016</a:t>
+              <a:t>22.12.2018</a:t>
             </a:fld>
             <a:endParaRPr lang="ru-RU"/>
           </a:p>
@@ -2610,7 +2610,7 @@
           <a:p>
             <a:fld id="{DCDCBEE7-9590-4FF6-ADDF-3D4B876C8442}" type="datetimeFigureOut">
               <a:rPr lang="ru-RU" smtClean="0"/>
-              <a:t>11.12.2016</a:t>
+              <a:t>22.12.2018</a:t>
             </a:fld>
             <a:endParaRPr lang="ru-RU"/>
           </a:p>
@@ -2729,7 +2729,7 @@
           <a:p>
             <a:fld id="{DCDCBEE7-9590-4FF6-ADDF-3D4B876C8442}" type="datetimeFigureOut">
               <a:rPr lang="ru-RU" smtClean="0"/>
-              <a:t>11.12.2016</a:t>
+              <a:t>22.12.2018</a:t>
             </a:fld>
             <a:endParaRPr lang="ru-RU"/>
           </a:p>
@@ -3030,7 +3030,7 @@
           <a:p>
             <a:fld id="{DCDCBEE7-9590-4FF6-ADDF-3D4B876C8442}" type="datetimeFigureOut">
               <a:rPr lang="ru-RU" smtClean="0"/>
-              <a:t>11.12.2016</a:t>
+              <a:t>22.12.2018</a:t>
             </a:fld>
             <a:endParaRPr lang="ru-RU"/>
           </a:p>
@@ -3311,7 +3311,7 @@
           <a:p>
             <a:fld id="{DCDCBEE7-9590-4FF6-ADDF-3D4B876C8442}" type="datetimeFigureOut">
               <a:rPr lang="ru-RU" smtClean="0"/>
-              <a:t>11.12.2016</a:t>
+              <a:t>22.12.2018</a:t>
             </a:fld>
             <a:endParaRPr lang="ru-RU"/>
           </a:p>
@@ -7163,11 +7163,11 @@
   <p:clrMapOvr>
     <a:masterClrMapping/>
   </p:clrMapOvr>
-  <mc:AlternateContent xmlns:mc="http://schemas.openxmlformats.org/markup-compatibility/2006">
-    <mc:Choice xmlns:p14="http://schemas.microsoft.com/office/powerpoint/2010/main" Requires="p14">
+  <mc:AlternateContent xmlns:mc="http://schemas.openxmlformats.org/markup-compatibility/2006" xmlns:p14="http://schemas.microsoft.com/office/powerpoint/2010/main">
+    <mc:Choice Requires="p14">
       <p:transition spd="slow" p14:dur="2000"/>
     </mc:Choice>
-    <mc:Fallback>
+    <mc:Fallback xmlns="">
       <p:transition spd="slow"/>
     </mc:Fallback>
   </mc:AlternateContent>
@@ -7438,11 +7438,7 @@
             </a:pPr>
             <a:r>
               <a:rPr lang="ru-RU" dirty="0" smtClean="0"/>
-              <a:t>Логику </a:t>
-            </a:r>
-            <a:r>
-              <a:rPr lang="ru-RU" dirty="0" smtClean="0"/>
-              <a:t>на исключениях → </a:t>
+              <a:t>Логику на исключениях → </a:t>
             </a:r>
             <a:r>
               <a:rPr lang="en-US" dirty="0" smtClean="0"/>
@@ -9714,7 +9710,19 @@
           <a:p>
             <a:r>
               <a:rPr lang="en-US" dirty="0" smtClean="0"/>
-              <a:t>C# 7.0</a:t>
+              <a:t>C# </a:t>
+            </a:r>
+            <a:r>
+              <a:rPr lang="en-US" strike="sngStrike" dirty="0" smtClean="0"/>
+              <a:t>7.0</a:t>
+            </a:r>
+            <a:r>
+              <a:rPr lang="en-US" dirty="0" smtClean="0"/>
+              <a:t>, </a:t>
+            </a:r>
+            <a:r>
+              <a:rPr lang="en-US" strike="sngStrike" dirty="0" smtClean="0"/>
+              <a:t>8.0</a:t>
             </a:r>
             <a:r>
               <a:rPr lang="ru-RU" dirty="0" smtClean="0"/>
@@ -9722,7 +9730,7 @@
             </a:r>
             <a:r>
               <a:rPr lang="en-US" dirty="0" smtClean="0"/>
-              <a:t>?</a:t>
+              <a:t>9?</a:t>
             </a:r>
             <a:r>
               <a:rPr lang="ru-RU" dirty="0" smtClean="0"/>
@@ -10293,7 +10301,7 @@
     </a:clrScheme>
     <a:fontScheme name="Тема Office">
       <a:majorFont>
-        <a:latin typeface="Calibri Light" panose="020F0302020204030204"/>
+        <a:latin typeface="Calibri Light"/>
         <a:ea typeface=""/>
         <a:cs typeface=""/>
         <a:font script="Jpan" typeface="ＭＳ Ｐゴシック"/>
@@ -10328,7 +10336,7 @@
         <a:font script="Geor" typeface="Sylfaen"/>
       </a:majorFont>
       <a:minorFont>
-        <a:latin typeface="Calibri" panose="020F0502020204030204"/>
+        <a:latin typeface="Calibri"/>
         <a:ea typeface=""/>
         <a:cs typeface=""/>
         <a:font script="Jpan" typeface="ＭＳ Ｐゴシック"/>
@@ -10505,7 +10513,7 @@
   <a:extraClrSchemeLst/>
   <a:extLst>
     <a:ext uri="{05A4C25C-085E-4340-85A3-A5531E510DB2}">
-      <thm15:themeFamily xmlns:thm15="http://schemas.microsoft.com/office/thememl/2012/main" name="Office Theme" id="{62F939B6-93AF-4DB8-9C6B-D6C7DFDC589F}" vid="{4A3C46E8-61CC-4603-A589-7422A47A8E4A}"/>
+      <thm15:themeFamily xmlns:thm15="http://schemas.microsoft.com/office/thememl/2012/main" xmlns="" name="Office Theme" id="{62F939B6-93AF-4DB8-9C6B-D6C7DFDC589F}" vid="{4A3C46E8-61CC-4603-A589-7422A47A8E4A}"/>
     </a:ext>
   </a:extLst>
 </a:theme>
@@ -10554,7 +10562,7 @@
     </a:clrScheme>
     <a:fontScheme name="Стандартная">
       <a:majorFont>
-        <a:latin typeface="Calibri Light" panose="020F0302020204030204"/>
+        <a:latin typeface="Calibri Light"/>
         <a:ea typeface=""/>
         <a:cs typeface=""/>
         <a:font script="Jpan" typeface="ＭＳ Ｐゴシック"/>
@@ -10589,7 +10597,7 @@
         <a:font script="Geor" typeface="Sylfaen"/>
       </a:majorFont>
       <a:minorFont>
-        <a:latin typeface="Calibri" panose="020F0502020204030204"/>
+        <a:latin typeface="Calibri"/>
         <a:ea typeface=""/>
         <a:cs typeface=""/>
         <a:font script="Jpan" typeface="ＭＳ Ｐゴシック"/>
@@ -10766,7 +10774,7 @@
   <a:extraClrSchemeLst/>
   <a:extLst>
     <a:ext uri="{05A4C25C-085E-4340-85A3-A5531E510DB2}">
-      <thm15:themeFamily xmlns:thm15="http://schemas.microsoft.com/office/thememl/2012/main" name="Office Theme" id="{62F939B6-93AF-4DB8-9C6B-D6C7DFDC589F}" vid="{4A3C46E8-61CC-4603-A589-7422A47A8E4A}"/>
+      <thm15:themeFamily xmlns:thm15="http://schemas.microsoft.com/office/thememl/2012/main" xmlns="" name="Office Theme" id="{62F939B6-93AF-4DB8-9C6B-D6C7DFDC589F}" vid="{4A3C46E8-61CC-4603-A589-7422A47A8E4A}"/>
     </a:ext>
   </a:extLst>
 </a:theme>
